--- a/Slides/part10_conclusions.pptx
+++ b/Slides/part10_conclusions.pptx
@@ -219,7 +219,7 @@
           <a:p>
             <a:fld id="{A208CC58-AEBA-4B81-AD4F-648E402612BD}" type="datetimeFigureOut">
               <a:rPr lang="en-GB" smtClean="0"/>
-              <a:t>24/08/2024</a:t>
+              <a:t>26/08/2024</a:t>
             </a:fld>
             <a:endParaRPr lang="en-GB"/>
           </a:p>
@@ -728,7 +728,7 @@
           <a:p>
             <a:fld id="{EDEC158B-FB0A-43FC-87BA-79B801717EB2}" type="datetimeFigureOut">
               <a:rPr lang="en-AU" smtClean="0"/>
-              <a:t>24/08/2024</a:t>
+              <a:t>26/08/2024</a:t>
             </a:fld>
             <a:endParaRPr lang="en-AU"/>
           </a:p>
@@ -928,7 +928,7 @@
           <a:p>
             <a:fld id="{EDEC158B-FB0A-43FC-87BA-79B801717EB2}" type="datetimeFigureOut">
               <a:rPr lang="en-AU" smtClean="0"/>
-              <a:t>24/08/2024</a:t>
+              <a:t>26/08/2024</a:t>
             </a:fld>
             <a:endParaRPr lang="en-AU"/>
           </a:p>
@@ -1138,7 +1138,7 @@
           <a:p>
             <a:fld id="{EDEC158B-FB0A-43FC-87BA-79B801717EB2}" type="datetimeFigureOut">
               <a:rPr lang="en-AU" smtClean="0"/>
-              <a:t>24/08/2024</a:t>
+              <a:t>26/08/2024</a:t>
             </a:fld>
             <a:endParaRPr lang="en-AU"/>
           </a:p>
@@ -1338,7 +1338,7 @@
           <a:p>
             <a:fld id="{EDEC158B-FB0A-43FC-87BA-79B801717EB2}" type="datetimeFigureOut">
               <a:rPr lang="en-AU" smtClean="0"/>
-              <a:t>24/08/2024</a:t>
+              <a:t>26/08/2024</a:t>
             </a:fld>
             <a:endParaRPr lang="en-AU"/>
           </a:p>
@@ -1614,7 +1614,7 @@
           <a:p>
             <a:fld id="{EDEC158B-FB0A-43FC-87BA-79B801717EB2}" type="datetimeFigureOut">
               <a:rPr lang="en-AU" smtClean="0"/>
-              <a:t>24/08/2024</a:t>
+              <a:t>26/08/2024</a:t>
             </a:fld>
             <a:endParaRPr lang="en-AU"/>
           </a:p>
@@ -1882,7 +1882,7 @@
           <a:p>
             <a:fld id="{EDEC158B-FB0A-43FC-87BA-79B801717EB2}" type="datetimeFigureOut">
               <a:rPr lang="en-AU" smtClean="0"/>
-              <a:t>24/08/2024</a:t>
+              <a:t>26/08/2024</a:t>
             </a:fld>
             <a:endParaRPr lang="en-AU"/>
           </a:p>
@@ -2297,7 +2297,7 @@
           <a:p>
             <a:fld id="{EDEC158B-FB0A-43FC-87BA-79B801717EB2}" type="datetimeFigureOut">
               <a:rPr lang="en-AU" smtClean="0"/>
-              <a:t>24/08/2024</a:t>
+              <a:t>26/08/2024</a:t>
             </a:fld>
             <a:endParaRPr lang="en-AU"/>
           </a:p>
@@ -2439,7 +2439,7 @@
           <a:p>
             <a:fld id="{EDEC158B-FB0A-43FC-87BA-79B801717EB2}" type="datetimeFigureOut">
               <a:rPr lang="en-AU" smtClean="0"/>
-              <a:t>24/08/2024</a:t>
+              <a:t>26/08/2024</a:t>
             </a:fld>
             <a:endParaRPr lang="en-AU"/>
           </a:p>
@@ -2552,7 +2552,7 @@
           <a:p>
             <a:fld id="{EDEC158B-FB0A-43FC-87BA-79B801717EB2}" type="datetimeFigureOut">
               <a:rPr lang="en-AU" smtClean="0"/>
-              <a:t>24/08/2024</a:t>
+              <a:t>26/08/2024</a:t>
             </a:fld>
             <a:endParaRPr lang="en-AU"/>
           </a:p>
@@ -2865,7 +2865,7 @@
           <a:p>
             <a:fld id="{EDEC158B-FB0A-43FC-87BA-79B801717EB2}" type="datetimeFigureOut">
               <a:rPr lang="en-AU" smtClean="0"/>
-              <a:t>24/08/2024</a:t>
+              <a:t>26/08/2024</a:t>
             </a:fld>
             <a:endParaRPr lang="en-AU"/>
           </a:p>
@@ -3154,7 +3154,7 @@
           <a:p>
             <a:fld id="{EDEC158B-FB0A-43FC-87BA-79B801717EB2}" type="datetimeFigureOut">
               <a:rPr lang="en-AU" smtClean="0"/>
-              <a:t>24/08/2024</a:t>
+              <a:t>26/08/2024</a:t>
             </a:fld>
             <a:endParaRPr lang="en-AU"/>
           </a:p>
@@ -3397,7 +3397,7 @@
           <a:p>
             <a:fld id="{EDEC158B-FB0A-43FC-87BA-79B801717EB2}" type="datetimeFigureOut">
               <a:rPr lang="en-AU" smtClean="0"/>
-              <a:t>24/08/2024</a:t>
+              <a:t>26/08/2024</a:t>
             </a:fld>
             <a:endParaRPr lang="en-AU"/>
           </a:p>
@@ -7772,8 +7772,8 @@
         </p:blipFill>
         <p:spPr>
           <a:xfrm>
-            <a:off x="348228" y="1273533"/>
-            <a:ext cx="9082099" cy="5150918"/>
+            <a:off x="348228" y="904478"/>
+            <a:ext cx="10497250" cy="5953522"/>
           </a:xfrm>
           <a:prstGeom prst="rect">
             <a:avLst/>
